--- a/slides/Big Data with Apache Spark and Java.pptx
+++ b/slides/Big Data with Apache Spark and Java.pptx
@@ -12,8 +12,9 @@
     <p:sldId id="260" r:id="rId6"/>
     <p:sldId id="262" r:id="rId7"/>
     <p:sldId id="261" r:id="rId8"/>
-    <p:sldId id="263" r:id="rId9"/>
-    <p:sldId id="264" r:id="rId10"/>
+    <p:sldId id="265" r:id="rId9"/>
+    <p:sldId id="263" r:id="rId10"/>
+    <p:sldId id="264" r:id="rId11"/>
   </p:sldIdLst>
   <p:sldSz cx="12192000" cy="6858000"/>
   <p:notesSz cx="6858000" cy="9144000"/>
@@ -346,7 +347,7 @@
           <a:p>
             <a:fld id="{9DCC050F-74D2-4305-B6C2-C1C9AD38A514}" type="datetimeFigureOut">
               <a:rPr lang="en-US" smtClean="0"/>
-              <a:t>10/15/2024</a:t>
+              <a:t>10/17/2024</a:t>
             </a:fld>
             <a:endParaRPr lang="en-US"/>
           </a:p>
@@ -554,7 +555,7 @@
           <a:p>
             <a:fld id="{9DCC050F-74D2-4305-B6C2-C1C9AD38A514}" type="datetimeFigureOut">
               <a:rPr lang="en-US" smtClean="0"/>
-              <a:t>10/15/2024</a:t>
+              <a:t>10/17/2024</a:t>
             </a:fld>
             <a:endParaRPr lang="en-US"/>
           </a:p>
@@ -810,7 +811,7 @@
           <a:p>
             <a:fld id="{9DCC050F-74D2-4305-B6C2-C1C9AD38A514}" type="datetimeFigureOut">
               <a:rPr lang="en-US" smtClean="0"/>
-              <a:t>10/15/2024</a:t>
+              <a:t>10/17/2024</a:t>
             </a:fld>
             <a:endParaRPr lang="en-US"/>
           </a:p>
@@ -984,7 +985,7 @@
           <a:p>
             <a:fld id="{9DCC050F-74D2-4305-B6C2-C1C9AD38A514}" type="datetimeFigureOut">
               <a:rPr lang="en-US" smtClean="0"/>
-              <a:t>10/15/2024</a:t>
+              <a:t>10/17/2024</a:t>
             </a:fld>
             <a:endParaRPr lang="en-US"/>
           </a:p>
@@ -1327,7 +1328,7 @@
           <a:p>
             <a:fld id="{9DCC050F-74D2-4305-B6C2-C1C9AD38A514}" type="datetimeFigureOut">
               <a:rPr lang="en-US" smtClean="0"/>
-              <a:t>10/15/2024</a:t>
+              <a:t>10/17/2024</a:t>
             </a:fld>
             <a:endParaRPr lang="en-US"/>
           </a:p>
@@ -1602,7 +1603,7 @@
           <a:p>
             <a:fld id="{9DCC050F-74D2-4305-B6C2-C1C9AD38A514}" type="datetimeFigureOut">
               <a:rPr lang="en-US" smtClean="0"/>
-              <a:t>10/15/2024</a:t>
+              <a:t>10/17/2024</a:t>
             </a:fld>
             <a:endParaRPr lang="en-US"/>
           </a:p>
@@ -1981,7 +1982,7 @@
           <a:p>
             <a:fld id="{9DCC050F-74D2-4305-B6C2-C1C9AD38A514}" type="datetimeFigureOut">
               <a:rPr lang="en-US" smtClean="0"/>
-              <a:t>10/15/2024</a:t>
+              <a:t>10/17/2024</a:t>
             </a:fld>
             <a:endParaRPr lang="en-US"/>
           </a:p>
@@ -2099,7 +2100,7 @@
           <a:p>
             <a:fld id="{9DCC050F-74D2-4305-B6C2-C1C9AD38A514}" type="datetimeFigureOut">
               <a:rPr lang="en-US" smtClean="0"/>
-              <a:t>10/15/2024</a:t>
+              <a:t>10/17/2024</a:t>
             </a:fld>
             <a:endParaRPr lang="en-US"/>
           </a:p>
@@ -2270,7 +2271,7 @@
           <a:p>
             <a:fld id="{9DCC050F-74D2-4305-B6C2-C1C9AD38A514}" type="datetimeFigureOut">
               <a:rPr lang="en-US" smtClean="0"/>
-              <a:t>10/15/2024</a:t>
+              <a:t>10/17/2024</a:t>
             </a:fld>
             <a:endParaRPr lang="en-US"/>
           </a:p>
@@ -2624,7 +2625,7 @@
           <a:p>
             <a:fld id="{9DCC050F-74D2-4305-B6C2-C1C9AD38A514}" type="datetimeFigureOut">
               <a:rPr lang="en-US" smtClean="0"/>
-              <a:t>10/15/2024</a:t>
+              <a:t>10/17/2024</a:t>
             </a:fld>
             <a:endParaRPr lang="en-US"/>
           </a:p>
@@ -3006,7 +3007,7 @@
           <a:p>
             <a:fld id="{9DCC050F-74D2-4305-B6C2-C1C9AD38A514}" type="datetimeFigureOut">
               <a:rPr lang="en-US" smtClean="0"/>
-              <a:t>10/15/2024</a:t>
+              <a:t>10/17/2024</a:t>
             </a:fld>
             <a:endParaRPr lang="en-US"/>
           </a:p>
@@ -3293,7 +3294,7 @@
           <a:p>
             <a:fld id="{9DCC050F-74D2-4305-B6C2-C1C9AD38A514}" type="datetimeFigureOut">
               <a:rPr lang="en-US" smtClean="0"/>
-              <a:t>10/15/2024</a:t>
+              <a:t>10/17/2024</a:t>
             </a:fld>
             <a:endParaRPr lang="en-US"/>
           </a:p>
@@ -3897,6 +3898,104 @@
 </p:sld>
 </file>
 
+<file path=ppt/slides/slide10.xml><?xml version="1.0" encoding="utf-8"?>
+<p:sld xmlns:a="http://schemas.openxmlformats.org/drawingml/2006/main" xmlns:r="http://schemas.openxmlformats.org/officeDocument/2006/relationships" xmlns:p="http://schemas.openxmlformats.org/presentationml/2006/main">
+  <p:cSld>
+    <p:spTree>
+      <p:nvGrpSpPr>
+        <p:cNvPr id="1" name=""/>
+        <p:cNvGrpSpPr/>
+        <p:nvPr/>
+      </p:nvGrpSpPr>
+      <p:grpSpPr>
+        <a:xfrm>
+          <a:off x="0" y="0"/>
+          <a:ext cx="0" cy="0"/>
+          <a:chOff x="0" y="0"/>
+          <a:chExt cx="0" cy="0"/>
+        </a:xfrm>
+      </p:grpSpPr>
+      <p:sp>
+        <p:nvSpPr>
+          <p:cNvPr id="2" name="Title 1">
+            <a:extLst>
+              <a:ext uri="{FF2B5EF4-FFF2-40B4-BE49-F238E27FC236}">
+                <a16:creationId xmlns:a16="http://schemas.microsoft.com/office/drawing/2014/main" id="{F8CCA36B-8D8D-3F5A-2D86-3FBA2AA93B24}"/>
+              </a:ext>
+            </a:extLst>
+          </p:cNvPr>
+          <p:cNvSpPr>
+            <a:spLocks noGrp="1"/>
+          </p:cNvSpPr>
+          <p:nvPr>
+            <p:ph type="title"/>
+          </p:nvPr>
+        </p:nvSpPr>
+        <p:spPr/>
+        <p:txBody>
+          <a:bodyPr/>
+          <a:lstStyle/>
+          <a:p>
+            <a:r>
+              <a:rPr lang="en-US" dirty="0"/>
+              <a:t>Use Cases</a:t>
+            </a:r>
+          </a:p>
+        </p:txBody>
+      </p:sp>
+      <p:sp>
+        <p:nvSpPr>
+          <p:cNvPr id="3" name="Content Placeholder 2">
+            <a:extLst>
+              <a:ext uri="{FF2B5EF4-FFF2-40B4-BE49-F238E27FC236}">
+                <a16:creationId xmlns:a16="http://schemas.microsoft.com/office/drawing/2014/main" id="{8B17A0C4-303F-9C1C-585F-5195E8C292BB}"/>
+              </a:ext>
+            </a:extLst>
+          </p:cNvPr>
+          <p:cNvSpPr>
+            <a:spLocks noGrp="1"/>
+          </p:cNvSpPr>
+          <p:nvPr>
+            <p:ph idx="1"/>
+          </p:nvPr>
+        </p:nvSpPr>
+        <p:spPr/>
+        <p:txBody>
+          <a:bodyPr/>
+          <a:lstStyle/>
+          <a:p>
+            <a:r>
+              <a:rPr lang="en-US" dirty="0"/>
+              <a:t>ETL</a:t>
+            </a:r>
+          </a:p>
+          <a:p>
+            <a:r>
+              <a:rPr lang="en-US" dirty="0"/>
+              <a:t>Obfuscation</a:t>
+            </a:r>
+          </a:p>
+          <a:p>
+            <a:r>
+              <a:rPr lang="en-US" dirty="0"/>
+              <a:t>Analytics</a:t>
+            </a:r>
+          </a:p>
+        </p:txBody>
+      </p:sp>
+    </p:spTree>
+    <p:extLst>
+      <p:ext uri="{BB962C8B-B14F-4D97-AF65-F5344CB8AC3E}">
+        <p14:creationId xmlns:p14="http://schemas.microsoft.com/office/powerpoint/2010/main" val="1702718964"/>
+      </p:ext>
+    </p:extLst>
+  </p:cSld>
+  <p:clrMapOvr>
+    <a:masterClrMapping/>
+  </p:clrMapOvr>
+</p:sld>
+</file>
+
 <file path=ppt/slides/slide2.xml><?xml version="1.0" encoding="utf-8"?>
 <p:sld xmlns:a="http://schemas.openxmlformats.org/drawingml/2006/main" xmlns:r="http://schemas.openxmlformats.org/officeDocument/2006/relationships" xmlns:p="http://schemas.openxmlformats.org/presentationml/2006/main">
   <p:cSld>
@@ -4151,7 +4250,7 @@
           <a:p>
             <a:r>
               <a:rPr lang="en-US" dirty="0"/>
-              <a:t>Distributed system that enable processing of huge amount of data.</a:t>
+              <a:t>Distributed system that enables processing of huge amount of data.</a:t>
             </a:r>
           </a:p>
           <a:p>
@@ -4187,10 +4286,9 @@
           <a:p>
             <a:pPr lvl="1"/>
             <a:r>
-              <a:rPr lang="en-US"/>
+              <a:rPr lang="en-US" dirty="0"/>
               <a:t>Databricks</a:t>
             </a:r>
-            <a:endParaRPr lang="en-US" dirty="0"/>
           </a:p>
           <a:p>
             <a:endParaRPr lang="en-US" dirty="0"/>
@@ -4359,7 +4457,7 @@
             </a:r>
             <a:r>
               <a:rPr lang="en-US" dirty="0"/>
-              <a:t>).</a:t>
+              <a:t>)</a:t>
             </a:r>
           </a:p>
           <a:p>
@@ -4705,7 +4803,7 @@
           <p:cNvPr id="4" name="Title 3">
             <a:extLst>
               <a:ext uri="{FF2B5EF4-FFF2-40B4-BE49-F238E27FC236}">
-                <a16:creationId xmlns:a16="http://schemas.microsoft.com/office/drawing/2014/main" id="{31A32E1D-41FE-BF8F-D1B3-C2DB6E6684F6}"/>
+                <a16:creationId xmlns:a16="http://schemas.microsoft.com/office/drawing/2014/main" id="{4F926EC5-C59B-F282-FE85-BC9ACF507027}"/>
               </a:ext>
             </a:extLst>
           </p:cNvPr>
@@ -4723,7 +4821,7 @@
           <a:p>
             <a:r>
               <a:rPr lang="en-US" dirty="0"/>
-              <a:t>Local Stack</a:t>
+              <a:t>FAQ</a:t>
             </a:r>
           </a:p>
         </p:txBody>
@@ -4733,7 +4831,7 @@
           <p:cNvPr id="5" name="Content Placeholder 4">
             <a:extLst>
               <a:ext uri="{FF2B5EF4-FFF2-40B4-BE49-F238E27FC236}">
-                <a16:creationId xmlns:a16="http://schemas.microsoft.com/office/drawing/2014/main" id="{9A62A686-06FA-9D61-3B9A-FE0DD3EE3CC9}"/>
+                <a16:creationId xmlns:a16="http://schemas.microsoft.com/office/drawing/2014/main" id="{832EC899-356A-65EB-5CD1-6B8634A84EC0}"/>
               </a:ext>
             </a:extLst>
           </p:cNvPr>
@@ -4751,58 +4849,54 @@
           <a:p>
             <a:r>
               <a:rPr lang="en-US" dirty="0"/>
-              <a:t>Windows 11 + WSL</a:t>
-            </a:r>
-          </a:p>
-          <a:p>
-            <a:r>
-              <a:rPr lang="en-US" dirty="0"/>
-              <a:t>Java 17 (AWS </a:t>
-            </a:r>
-            <a:r>
-              <a:rPr lang="en-US" dirty="0" err="1"/>
-              <a:t>Corretto</a:t>
-            </a:r>
-            <a:r>
-              <a:rPr lang="en-US" dirty="0"/>
-              <a:t>)</a:t>
-            </a:r>
-          </a:p>
-          <a:p>
-            <a:r>
-              <a:rPr lang="en-US" dirty="0" err="1"/>
-              <a:t>Intellij</a:t>
-            </a:r>
-            <a:r>
-              <a:rPr lang="en-US" dirty="0"/>
-              <a:t> IDEA + Maven</a:t>
-            </a:r>
-          </a:p>
-          <a:p>
-            <a:r>
-              <a:rPr lang="en-US" dirty="0"/>
-              <a:t>Docker Desktop</a:t>
-            </a:r>
-          </a:p>
-          <a:p>
-            <a:r>
-              <a:rPr lang="en-US" dirty="0" err="1"/>
-              <a:t>Bitnami</a:t>
-            </a:r>
-            <a:r>
-              <a:rPr lang="en-US" dirty="0"/>
-              <a:t> Spark</a:t>
-            </a:r>
-          </a:p>
-          <a:p>
+              <a:t>Unit Test?</a:t>
+            </a:r>
+          </a:p>
+          <a:p>
+            <a:pPr lvl="1"/>
+            <a:r>
+              <a:rPr lang="en-US" dirty="0"/>
+              <a:t>We can do unit test on smaller dataset</a:t>
+            </a:r>
+          </a:p>
+          <a:p>
+            <a:r>
+              <a:rPr lang="en-US" dirty="0"/>
+              <a:t>How do we know how much memory required?</a:t>
+            </a:r>
+          </a:p>
+          <a:p>
+            <a:pPr lvl="1"/>
+            <a:r>
+              <a:rPr lang="en-US" dirty="0"/>
+              <a:t>Apache Spark will overflow data to disk.</a:t>
+            </a:r>
+          </a:p>
+          <a:p>
+            <a:pPr lvl="1"/>
+            <a:r>
+              <a:rPr lang="en-US" dirty="0"/>
+              <a:t>Depending on process, might require more memory than total amount of </a:t>
+            </a:r>
+            <a:r>
+              <a:rPr lang="en-US"/>
+              <a:t>data ingested.</a:t>
+            </a:r>
             <a:endParaRPr lang="en-US" dirty="0"/>
+          </a:p>
+          <a:p>
+            <a:pPr lvl="1"/>
+            <a:r>
+              <a:rPr lang="en-US" dirty="0"/>
+              <a:t>Measure if disk is being used. For best performance make sure only memory is used.</a:t>
+            </a:r>
           </a:p>
         </p:txBody>
       </p:sp>
     </p:spTree>
     <p:extLst>
       <p:ext uri="{BB962C8B-B14F-4D97-AF65-F5344CB8AC3E}">
-        <p14:creationId xmlns:p14="http://schemas.microsoft.com/office/powerpoint/2010/main" val="1997844897"/>
+        <p14:creationId xmlns:p14="http://schemas.microsoft.com/office/powerpoint/2010/main" val="803701774"/>
       </p:ext>
     </p:extLst>
   </p:cSld>
@@ -4831,10 +4925,10 @@
       </p:grpSpPr>
       <p:sp>
         <p:nvSpPr>
-          <p:cNvPr id="2" name="Title 1">
+          <p:cNvPr id="4" name="Title 3">
             <a:extLst>
               <a:ext uri="{FF2B5EF4-FFF2-40B4-BE49-F238E27FC236}">
-                <a16:creationId xmlns:a16="http://schemas.microsoft.com/office/drawing/2014/main" id="{F8CCA36B-8D8D-3F5A-2D86-3FBA2AA93B24}"/>
+                <a16:creationId xmlns:a16="http://schemas.microsoft.com/office/drawing/2014/main" id="{31A32E1D-41FE-BF8F-D1B3-C2DB6E6684F6}"/>
               </a:ext>
             </a:extLst>
           </p:cNvPr>
@@ -4852,17 +4946,17 @@
           <a:p>
             <a:r>
               <a:rPr lang="en-US" dirty="0"/>
-              <a:t>Use Cases</a:t>
-            </a:r>
-          </a:p>
-        </p:txBody>
-      </p:sp>
-      <p:sp>
-        <p:nvSpPr>
-          <p:cNvPr id="3" name="Content Placeholder 2">
+              <a:t>Local Stack</a:t>
+            </a:r>
+          </a:p>
+        </p:txBody>
+      </p:sp>
+      <p:sp>
+        <p:nvSpPr>
+          <p:cNvPr id="5" name="Content Placeholder 4">
             <a:extLst>
               <a:ext uri="{FF2B5EF4-FFF2-40B4-BE49-F238E27FC236}">
-                <a16:creationId xmlns:a16="http://schemas.microsoft.com/office/drawing/2014/main" id="{8B17A0C4-303F-9C1C-585F-5195E8C292BB}"/>
+                <a16:creationId xmlns:a16="http://schemas.microsoft.com/office/drawing/2014/main" id="{9A62A686-06FA-9D61-3B9A-FE0DD3EE3CC9}"/>
               </a:ext>
             </a:extLst>
           </p:cNvPr>
@@ -4880,27 +4974,58 @@
           <a:p>
             <a:r>
               <a:rPr lang="en-US" dirty="0"/>
-              <a:t>ETL</a:t>
-            </a:r>
-          </a:p>
-          <a:p>
-            <a:r>
-              <a:rPr lang="en-US" dirty="0"/>
-              <a:t>Obfuscation</a:t>
-            </a:r>
-          </a:p>
-          <a:p>
-            <a:r>
-              <a:rPr lang="en-US" dirty="0"/>
-              <a:t>Analytics</a:t>
-            </a:r>
+              <a:t>Windows 11 + WSL</a:t>
+            </a:r>
+          </a:p>
+          <a:p>
+            <a:r>
+              <a:rPr lang="en-US" dirty="0"/>
+              <a:t>Java 17 (AWS </a:t>
+            </a:r>
+            <a:r>
+              <a:rPr lang="en-US" dirty="0" err="1"/>
+              <a:t>Corretto</a:t>
+            </a:r>
+            <a:r>
+              <a:rPr lang="en-US" dirty="0"/>
+              <a:t>)</a:t>
+            </a:r>
+          </a:p>
+          <a:p>
+            <a:r>
+              <a:rPr lang="en-US" dirty="0" err="1"/>
+              <a:t>Intellij</a:t>
+            </a:r>
+            <a:r>
+              <a:rPr lang="en-US" dirty="0"/>
+              <a:t> IDEA + Maven</a:t>
+            </a:r>
+          </a:p>
+          <a:p>
+            <a:r>
+              <a:rPr lang="en-US" dirty="0"/>
+              <a:t>Docker Desktop</a:t>
+            </a:r>
+          </a:p>
+          <a:p>
+            <a:r>
+              <a:rPr lang="en-US" dirty="0" err="1"/>
+              <a:t>Bitnami</a:t>
+            </a:r>
+            <a:r>
+              <a:rPr lang="en-US" dirty="0"/>
+              <a:t> Spark</a:t>
+            </a:r>
+          </a:p>
+          <a:p>
+            <a:endParaRPr lang="en-US" dirty="0"/>
           </a:p>
         </p:txBody>
       </p:sp>
     </p:spTree>
     <p:extLst>
       <p:ext uri="{BB962C8B-B14F-4D97-AF65-F5344CB8AC3E}">
-        <p14:creationId xmlns:p14="http://schemas.microsoft.com/office/powerpoint/2010/main" val="1702718964"/>
+        <p14:creationId xmlns:p14="http://schemas.microsoft.com/office/powerpoint/2010/main" val="1997844897"/>
       </p:ext>
     </p:extLst>
   </p:cSld>
